--- a/IPVC-EI-IA-TrabPratico1-Pesquisa_de_solucoes_em_jogos-24585.pptx
+++ b/IPVC-EI-IA-TrabPratico1-Pesquisa_de_solucoes_em_jogos-24585.pptx
@@ -217,7 +217,7 @@
             <a:fld id="{ADB6FF1F-555E-4388-A8B0-D1E524B355D1}" type="datetimeFigureOut">
               <a:rPr lang="pt-PT" smtClean="0"/>
               <a:pPr/>
-              <a:t>28/04/2023</a:t>
+              <a:t>29/04/2023</a:t>
             </a:fld>
             <a:endParaRPr lang="pt-PT"/>
           </a:p>
@@ -384,7 +384,7 @@
             <a:fld id="{E77E319B-B046-487F-8D03-B96E4F1A43D0}" type="datetimeFigureOut">
               <a:rPr lang="pt-PT" smtClean="0"/>
               <a:pPr/>
-              <a:t>28/04/2023</a:t>
+              <a:t>29/04/2023</a:t>
             </a:fld>
             <a:endParaRPr lang="pt-PT"/>
           </a:p>
@@ -1232,7 +1232,7 @@
             <a:fld id="{A4A3E61B-3AB3-490F-90D4-269C8A444AE7}" type="datetimeFigureOut">
               <a:rPr lang="en-US" smtClean="0"/>
               <a:pPr/>
-              <a:t>4/28/2023</a:t>
+              <a:t>4/29/2023</a:t>
             </a:fld>
             <a:endParaRPr lang="en-US"/>
           </a:p>
@@ -1399,7 +1399,7 @@
             <a:fld id="{A4A3E61B-3AB3-490F-90D4-269C8A444AE7}" type="datetimeFigureOut">
               <a:rPr lang="en-US" smtClean="0"/>
               <a:pPr/>
-              <a:t>4/28/2023</a:t>
+              <a:t>4/29/2023</a:t>
             </a:fld>
             <a:endParaRPr lang="en-US"/>
           </a:p>
@@ -1576,7 +1576,7 @@
             <a:fld id="{A4A3E61B-3AB3-490F-90D4-269C8A444AE7}" type="datetimeFigureOut">
               <a:rPr lang="en-US" smtClean="0"/>
               <a:pPr/>
-              <a:t>4/28/2023</a:t>
+              <a:t>4/29/2023</a:t>
             </a:fld>
             <a:endParaRPr lang="en-US"/>
           </a:p>
@@ -1743,7 +1743,7 @@
             <a:fld id="{A4A3E61B-3AB3-490F-90D4-269C8A444AE7}" type="datetimeFigureOut">
               <a:rPr lang="en-US" smtClean="0"/>
               <a:pPr/>
-              <a:t>4/28/2023</a:t>
+              <a:t>4/29/2023</a:t>
             </a:fld>
             <a:endParaRPr lang="en-US"/>
           </a:p>
@@ -1986,7 +1986,7 @@
             <a:fld id="{A4A3E61B-3AB3-490F-90D4-269C8A444AE7}" type="datetimeFigureOut">
               <a:rPr lang="en-US" smtClean="0"/>
               <a:pPr/>
-              <a:t>4/28/2023</a:t>
+              <a:t>4/29/2023</a:t>
             </a:fld>
             <a:endParaRPr lang="en-US"/>
           </a:p>
@@ -2271,7 +2271,7 @@
             <a:fld id="{A4A3E61B-3AB3-490F-90D4-269C8A444AE7}" type="datetimeFigureOut">
               <a:rPr lang="en-US" smtClean="0"/>
               <a:pPr/>
-              <a:t>4/28/2023</a:t>
+              <a:t>4/29/2023</a:t>
             </a:fld>
             <a:endParaRPr lang="en-US"/>
           </a:p>
@@ -2690,7 +2690,7 @@
             <a:fld id="{A4A3E61B-3AB3-490F-90D4-269C8A444AE7}" type="datetimeFigureOut">
               <a:rPr lang="en-US" smtClean="0"/>
               <a:pPr/>
-              <a:t>4/28/2023</a:t>
+              <a:t>4/29/2023</a:t>
             </a:fld>
             <a:endParaRPr lang="en-US"/>
           </a:p>
@@ -2805,7 +2805,7 @@
             <a:fld id="{A4A3E61B-3AB3-490F-90D4-269C8A444AE7}" type="datetimeFigureOut">
               <a:rPr lang="en-US" smtClean="0"/>
               <a:pPr/>
-              <a:t>4/28/2023</a:t>
+              <a:t>4/29/2023</a:t>
             </a:fld>
             <a:endParaRPr lang="en-US"/>
           </a:p>
@@ -2897,7 +2897,7 @@
             <a:fld id="{A4A3E61B-3AB3-490F-90D4-269C8A444AE7}" type="datetimeFigureOut">
               <a:rPr lang="en-US" smtClean="0"/>
               <a:pPr/>
-              <a:t>4/28/2023</a:t>
+              <a:t>4/29/2023</a:t>
             </a:fld>
             <a:endParaRPr lang="en-US"/>
           </a:p>
@@ -3171,7 +3171,7 @@
             <a:fld id="{A4A3E61B-3AB3-490F-90D4-269C8A444AE7}" type="datetimeFigureOut">
               <a:rPr lang="en-US" smtClean="0"/>
               <a:pPr/>
-              <a:t>4/28/2023</a:t>
+              <a:t>4/29/2023</a:t>
             </a:fld>
             <a:endParaRPr lang="en-US"/>
           </a:p>
@@ -3421,7 +3421,7 @@
             <a:fld id="{A4A3E61B-3AB3-490F-90D4-269C8A444AE7}" type="datetimeFigureOut">
               <a:rPr lang="en-US" smtClean="0"/>
               <a:pPr/>
-              <a:t>4/28/2023</a:t>
+              <a:t>4/29/2023</a:t>
             </a:fld>
             <a:endParaRPr lang="en-US"/>
           </a:p>
@@ -3631,7 +3631,7 @@
             <a:fld id="{A4A3E61B-3AB3-490F-90D4-269C8A444AE7}" type="datetimeFigureOut">
               <a:rPr lang="en-US" smtClean="0"/>
               <a:pPr/>
-              <a:t>4/28/2023</a:t>
+              <a:t>4/29/2023</a:t>
             </a:fld>
             <a:endParaRPr lang="en-US"/>
           </a:p>
@@ -4884,7 +4884,7 @@
           <a:p>
             <a:pPr algn="l"/>
             <a:r>
-              <a:rPr lang="pt-PT" sz="900" dirty="0" err="1">
+              <a:rPr lang="pt-PT" sz="900" dirty="0">
                 <a:solidFill>
                   <a:schemeClr val="bg1"/>
                 </a:solidFill>
@@ -4892,18 +4892,7 @@
                 <a:ea typeface="Arial" charset="0"/>
                 <a:cs typeface="Arial" charset="0"/>
               </a:rPr>
-              <a:t>Zzzzz</a:t>
-            </a:r>
-            <a:r>
-              <a:rPr lang="pt-PT" sz="900" dirty="0">
-                <a:solidFill>
-                  <a:schemeClr val="bg1"/>
-                </a:solidFill>
-                <a:latin typeface="Arial" charset="0"/>
-                <a:ea typeface="Arial" charset="0"/>
-                <a:cs typeface="Arial" charset="0"/>
-              </a:rPr>
-              <a:t> – Domingos Silva – zzz@ipvc.pt</a:t>
+              <a:t>24589 – Domingos Silva – silvadomingos@ipvc.pt</a:t>
             </a:r>
           </a:p>
           <a:p>
@@ -5236,7 +5225,7 @@
         <p:spPr bwMode="auto">
           <a:xfrm>
             <a:off x="405946" y="1203170"/>
-            <a:ext cx="8509454" cy="2195666"/>
+            <a:ext cx="8509454" cy="2934329"/>
           </a:xfrm>
           <a:prstGeom prst="rect">
             <a:avLst/>
@@ -5413,7 +5402,43 @@
               <a:rPr lang="pt-PT" altLang="pt-PT" sz="1600" dirty="0">
                 <a:cs typeface="Arial" panose="020B0604020202020204" pitchFamily="34" charset="0"/>
               </a:rPr>
-              <a:t> e no final desenvolver jogadores que utilizem algoritmos de </a:t>
+              <a:t>, sendo este o primeiro objetivo de conseguir implementar as regras e funcionamento do jogo, no nosso caso Texas </a:t>
+            </a:r>
+            <a:r>
+              <a:rPr lang="pt-PT" altLang="pt-PT" sz="1600" dirty="0" err="1">
+                <a:cs typeface="Arial" panose="020B0604020202020204" pitchFamily="34" charset="0"/>
+              </a:rPr>
+              <a:t>Holdem</a:t>
+            </a:r>
+            <a:r>
+              <a:rPr lang="pt-PT" altLang="pt-PT" sz="1600" dirty="0">
+                <a:cs typeface="Arial" panose="020B0604020202020204" pitchFamily="34" charset="0"/>
+              </a:rPr>
+              <a:t> </a:t>
+            </a:r>
+            <a:r>
+              <a:rPr lang="pt-PT" altLang="pt-PT" sz="1600" dirty="0" err="1">
+                <a:cs typeface="Arial" panose="020B0604020202020204" pitchFamily="34" charset="0"/>
+              </a:rPr>
+              <a:t>Limit</a:t>
+            </a:r>
+            <a:r>
+              <a:rPr lang="pt-PT" altLang="pt-PT" sz="1600" dirty="0">
+                <a:cs typeface="Arial" panose="020B0604020202020204" pitchFamily="34" charset="0"/>
+              </a:rPr>
+              <a:t>. Após estar desenvolvido o jogo, é necessário </a:t>
+            </a:r>
+            <a:r>
+              <a:rPr lang="pt-PT" altLang="pt-PT" sz="1600" dirty="0" err="1">
+                <a:cs typeface="Arial" panose="020B0604020202020204" pitchFamily="34" charset="0"/>
+              </a:rPr>
+              <a:t>implementst</a:t>
+            </a:r>
+            <a:r>
+              <a:rPr lang="pt-PT" altLang="pt-PT" sz="1600" dirty="0">
+                <a:cs typeface="Arial" panose="020B0604020202020204" pitchFamily="34" charset="0"/>
+              </a:rPr>
+              <a:t> os jogadores controlados por algoritmos de </a:t>
             </a:r>
             <a:r>
               <a:rPr lang="pt-PT" altLang="pt-PT" sz="1600" dirty="0" err="1">
@@ -5808,23 +5833,7 @@
                 <a:ea typeface="Arial" charset="0"/>
                 <a:cs typeface="Arial" charset="0"/>
               </a:rPr>
-              <a:t>@2023, 24585 – Alexandre Santos, </a:t>
-            </a:r>
-            <a:r>
-              <a:rPr lang="pt-PT" sz="900" dirty="0" err="1">
-                <a:latin typeface="Arial" charset="0"/>
-                <a:ea typeface="Arial" charset="0"/>
-                <a:cs typeface="Arial" charset="0"/>
-              </a:rPr>
-              <a:t>zzzz</a:t>
-            </a:r>
-            <a:r>
-              <a:rPr lang="pt-PT" sz="900" dirty="0">
-                <a:latin typeface="Arial" charset="0"/>
-                <a:ea typeface="Arial" charset="0"/>
-                <a:cs typeface="Arial" charset="0"/>
-              </a:rPr>
-              <a:t> – Domingos Silva | </a:t>
+              <a:t>@2023, 24585 – Alexandre Santos, 24589 – Domingos Silva | </a:t>
             </a:r>
             <a:r>
               <a:rPr lang="pt-PT" sz="900" b="1" dirty="0">
@@ -6845,23 +6854,7 @@
                 <a:ea typeface="Arial" charset="0"/>
                 <a:cs typeface="Arial" charset="0"/>
               </a:rPr>
-              <a:t>@2023, 24585 – Alexandre Santos, </a:t>
-            </a:r>
-            <a:r>
-              <a:rPr lang="pt-PT" sz="900" dirty="0" err="1">
-                <a:latin typeface="Arial" charset="0"/>
-                <a:ea typeface="Arial" charset="0"/>
-                <a:cs typeface="Arial" charset="0"/>
-              </a:rPr>
-              <a:t>zzzz</a:t>
-            </a:r>
-            <a:r>
-              <a:rPr lang="pt-PT" sz="900" dirty="0">
-                <a:latin typeface="Arial" charset="0"/>
-                <a:ea typeface="Arial" charset="0"/>
-                <a:cs typeface="Arial" charset="0"/>
-              </a:rPr>
-              <a:t> – Domingos Silva | </a:t>
+              <a:t>@2023, 24585 – Alexandre Santos, 24589 – Domingos Silva | </a:t>
             </a:r>
             <a:r>
               <a:rPr lang="pt-PT" sz="900" b="1" dirty="0">
@@ -7846,23 +7839,7 @@
                 <a:ea typeface="Arial" charset="0"/>
                 <a:cs typeface="Arial" charset="0"/>
               </a:rPr>
-              <a:t>@2023, 24585 – Alexandre Santos, </a:t>
-            </a:r>
-            <a:r>
-              <a:rPr lang="pt-PT" sz="900" dirty="0" err="1">
-                <a:latin typeface="Arial" charset="0"/>
-                <a:ea typeface="Arial" charset="0"/>
-                <a:cs typeface="Arial" charset="0"/>
-              </a:rPr>
-              <a:t>zzzz</a:t>
-            </a:r>
-            <a:r>
-              <a:rPr lang="pt-PT" sz="900" dirty="0">
-                <a:latin typeface="Arial" charset="0"/>
-                <a:ea typeface="Arial" charset="0"/>
-                <a:cs typeface="Arial" charset="0"/>
-              </a:rPr>
-              <a:t> – Domingos Silva | </a:t>
+              <a:t>@2023, 24585 – Alexandre Santos, 24589 – Domingos Silva | </a:t>
             </a:r>
             <a:r>
               <a:rPr lang="pt-PT" sz="900" b="1" dirty="0">
@@ -8847,23 +8824,7 @@
                 <a:ea typeface="Arial" charset="0"/>
                 <a:cs typeface="Arial" charset="0"/>
               </a:rPr>
-              <a:t>@2023, 24585 – Alexandre Santos, </a:t>
-            </a:r>
-            <a:r>
-              <a:rPr lang="pt-PT" sz="900" dirty="0" err="1">
-                <a:latin typeface="Arial" charset="0"/>
-                <a:ea typeface="Arial" charset="0"/>
-                <a:cs typeface="Arial" charset="0"/>
-              </a:rPr>
-              <a:t>zzzz</a:t>
-            </a:r>
-            <a:r>
-              <a:rPr lang="pt-PT" sz="900" dirty="0">
-                <a:latin typeface="Arial" charset="0"/>
-                <a:ea typeface="Arial" charset="0"/>
-                <a:cs typeface="Arial" charset="0"/>
-              </a:rPr>
-              <a:t> – Domingos Silva | </a:t>
+              <a:t>@2023, 24585 – Alexandre Santos, 24589 – Domingos Silva | </a:t>
             </a:r>
             <a:r>
               <a:rPr lang="pt-PT" sz="900" b="1" dirty="0">
